--- a/Presentations/Removable Media.pptx
+++ b/Presentations/Removable Media.pptx
@@ -10,7 +10,6 @@
     <p:sldId id="258" r:id="rId4"/>
     <p:sldId id="260" r:id="rId5"/>
     <p:sldId id="262" r:id="rId6"/>
-    <p:sldId id="264" r:id="rId7"/>
   </p:sldIdLst>
   <p:sldSz cx="12192000" cy="6858000"/>
   <p:notesSz cx="6858000" cy="9144000"/>
@@ -2724,7 +2723,7 @@
             <a:fld id="{5586B75A-687E-405C-8A0B-8D00578BA2C3}" type="datetimeFigureOut">
               <a:rPr lang="en-US" dirty="0"/>
               <a:pPr/>
-              <a:t>3/29/22</a:t>
+              <a:t>4/3/22</a:t>
             </a:fld>
             <a:endParaRPr lang="en-US" dirty="0"/>
           </a:p>
@@ -2891,7 +2890,7 @@
             <a:fld id="{5586B75A-687E-405C-8A0B-8D00578BA2C3}" type="datetimeFigureOut">
               <a:rPr lang="en-US" dirty="0"/>
               <a:pPr/>
-              <a:t>3/29/22</a:t>
+              <a:t>4/3/22</a:t>
             </a:fld>
             <a:endParaRPr lang="en-US" dirty="0"/>
           </a:p>
@@ -3068,7 +3067,7 @@
             <a:fld id="{5586B75A-687E-405C-8A0B-8D00578BA2C3}" type="datetimeFigureOut">
               <a:rPr lang="en-US" dirty="0"/>
               <a:pPr/>
-              <a:t>3/29/22</a:t>
+              <a:t>4/3/22</a:t>
             </a:fld>
             <a:endParaRPr lang="en-US" dirty="0"/>
           </a:p>
@@ -3235,7 +3234,7 @@
             <a:fld id="{5586B75A-687E-405C-8A0B-8D00578BA2C3}" type="datetimeFigureOut">
               <a:rPr lang="en-US" dirty="0"/>
               <a:pPr/>
-              <a:t>3/29/22</a:t>
+              <a:t>4/3/22</a:t>
             </a:fld>
             <a:endParaRPr lang="en-US" dirty="0"/>
           </a:p>
@@ -3490,7 +3489,7 @@
             <a:fld id="{5586B75A-687E-405C-8A0B-8D00578BA2C3}" type="datetimeFigureOut">
               <a:rPr lang="en-US" dirty="0"/>
               <a:pPr/>
-              <a:t>3/29/22</a:t>
+              <a:t>4/3/22</a:t>
             </a:fld>
             <a:endParaRPr lang="en-US" dirty="0"/>
           </a:p>
@@ -3775,7 +3774,7 @@
             <a:fld id="{5586B75A-687E-405C-8A0B-8D00578BA2C3}" type="datetimeFigureOut">
               <a:rPr lang="en-US" dirty="0"/>
               <a:pPr/>
-              <a:t>3/29/22</a:t>
+              <a:t>4/3/22</a:t>
             </a:fld>
             <a:endParaRPr lang="en-US" dirty="0"/>
           </a:p>
@@ -4214,7 +4213,7 @@
             <a:fld id="{5586B75A-687E-405C-8A0B-8D00578BA2C3}" type="datetimeFigureOut">
               <a:rPr lang="en-US" dirty="0"/>
               <a:pPr/>
-              <a:t>3/29/22</a:t>
+              <a:t>4/3/22</a:t>
             </a:fld>
             <a:endParaRPr lang="en-US" dirty="0"/>
           </a:p>
@@ -4329,7 +4328,7 @@
             <a:fld id="{5586B75A-687E-405C-8A0B-8D00578BA2C3}" type="datetimeFigureOut">
               <a:rPr lang="en-US" dirty="0"/>
               <a:pPr/>
-              <a:t>3/29/22</a:t>
+              <a:t>4/3/22</a:t>
             </a:fld>
             <a:endParaRPr lang="en-US" dirty="0"/>
           </a:p>
@@ -4421,7 +4420,7 @@
             <a:fld id="{5586B75A-687E-405C-8A0B-8D00578BA2C3}" type="datetimeFigureOut">
               <a:rPr lang="en-US" dirty="0"/>
               <a:pPr/>
-              <a:t>3/29/22</a:t>
+              <a:t>4/3/22</a:t>
             </a:fld>
             <a:endParaRPr lang="en-US" dirty="0"/>
           </a:p>
@@ -4706,7 +4705,7 @@
             <a:fld id="{5586B75A-687E-405C-8A0B-8D00578BA2C3}" type="datetimeFigureOut">
               <a:rPr lang="en-US" dirty="0"/>
               <a:pPr/>
-              <a:t>3/29/22</a:t>
+              <a:t>4/3/22</a:t>
             </a:fld>
             <a:endParaRPr lang="en-US" dirty="0"/>
           </a:p>
@@ -4976,7 +4975,7 @@
             <a:fld id="{5586B75A-687E-405C-8A0B-8D00578BA2C3}" type="datetimeFigureOut">
               <a:rPr lang="en-US" dirty="0"/>
               <a:pPr/>
-              <a:t>3/29/22</a:t>
+              <a:t>4/3/22</a:t>
             </a:fld>
             <a:endParaRPr lang="en-US" dirty="0"/>
           </a:p>
@@ -5270,7 +5269,7 @@
             <a:fld id="{5586B75A-687E-405C-8A0B-8D00578BA2C3}" type="datetimeFigureOut">
               <a:rPr lang="en-US" dirty="0"/>
               <a:pPr/>
-              <a:t>3/29/22</a:t>
+              <a:t>4/3/22</a:t>
             </a:fld>
             <a:endParaRPr lang="en-US" dirty="0"/>
           </a:p>
@@ -6433,7 +6432,7 @@
                   <a:schemeClr val="tx1"/>
                 </a:solidFill>
               </a:rPr>
-              <a:t>Keyboard/Mouse</a:t>
+              <a:t>DVDs/CDs</a:t>
             </a:r>
           </a:p>
           <a:p>
@@ -6464,6 +6463,57 @@
                 </a:solidFill>
               </a:rPr>
               <a:t>External Hard drive</a:t>
+            </a:r>
+          </a:p>
+        </p:txBody>
+      </p:sp>
+      <p:sp>
+        <p:nvSpPr>
+          <p:cNvPr id="4" name="TextBox 3">
+            <a:extLst>
+              <a:ext uri="{FF2B5EF4-FFF2-40B4-BE49-F238E27FC236}">
+                <a16:creationId xmlns:a16="http://schemas.microsoft.com/office/drawing/2014/main" id="{CEF315EC-DDE5-5443-9041-6B9A163C27FC}"/>
+              </a:ext>
+            </a:extLst>
+          </p:cNvPr>
+          <p:cNvSpPr txBox="1"/>
+          <p:nvPr/>
+        </p:nvSpPr>
+        <p:spPr>
+          <a:xfrm>
+            <a:off x="0" y="6602625"/>
+            <a:ext cx="11921490" cy="246221"/>
+          </a:xfrm>
+          <a:prstGeom prst="rect">
+            <a:avLst/>
+          </a:prstGeom>
+          <a:noFill/>
+        </p:spPr>
+        <p:txBody>
+          <a:bodyPr wrap="square" rtlCol="0">
+            <a:spAutoFit/>
+          </a:bodyPr>
+          <a:lstStyle/>
+          <a:p>
+            <a:r>
+              <a:rPr lang="en-US" sz="1000" dirty="0"/>
+              <a:t>https://</a:t>
+            </a:r>
+            <a:r>
+              <a:rPr lang="en-US" sz="1000" dirty="0" err="1"/>
+              <a:t>dl.dod.cyber.mil</a:t>
+            </a:r>
+            <a:r>
+              <a:rPr lang="en-US" sz="1000" dirty="0"/>
+              <a:t>/wp-content/uploads/</a:t>
+            </a:r>
+            <a:r>
+              <a:rPr lang="en-US" sz="1000" dirty="0" err="1"/>
+              <a:t>trn</a:t>
+            </a:r>
+            <a:r>
+              <a:rPr lang="en-US" sz="1000" dirty="0"/>
+              <a:t>/online/disa_cac_2022_final_web/pdf/DISA_CAC2022_RemovableMedia_MobileDevices.pdf</a:t>
             </a:r>
           </a:p>
         </p:txBody>
@@ -6721,7 +6771,58 @@
                   <a:schemeClr val="tx1"/>
                 </a:solidFill>
               </a:rPr>
-              <a:t>Ransomware</a:t>
+              <a:t>Damaging device it is connected to</a:t>
+            </a:r>
+          </a:p>
+        </p:txBody>
+      </p:sp>
+      <p:sp>
+        <p:nvSpPr>
+          <p:cNvPr id="6" name="TextBox 5">
+            <a:extLst>
+              <a:ext uri="{FF2B5EF4-FFF2-40B4-BE49-F238E27FC236}">
+                <a16:creationId xmlns:a16="http://schemas.microsoft.com/office/drawing/2014/main" id="{580701AB-0AC4-DF44-A2F9-E687FD674242}"/>
+              </a:ext>
+            </a:extLst>
+          </p:cNvPr>
+          <p:cNvSpPr txBox="1"/>
+          <p:nvPr/>
+        </p:nvSpPr>
+        <p:spPr>
+          <a:xfrm>
+            <a:off x="0" y="6602625"/>
+            <a:ext cx="11921490" cy="246221"/>
+          </a:xfrm>
+          <a:prstGeom prst="rect">
+            <a:avLst/>
+          </a:prstGeom>
+          <a:noFill/>
+        </p:spPr>
+        <p:txBody>
+          <a:bodyPr wrap="square" rtlCol="0">
+            <a:spAutoFit/>
+          </a:bodyPr>
+          <a:lstStyle/>
+          <a:p>
+            <a:r>
+              <a:rPr lang="en-US" sz="1000" dirty="0"/>
+              <a:t>https://</a:t>
+            </a:r>
+            <a:r>
+              <a:rPr lang="en-US" sz="1000" dirty="0" err="1"/>
+              <a:t>www.totem.tech</a:t>
+            </a:r>
+            <a:r>
+              <a:rPr lang="en-US" sz="1000" dirty="0"/>
+              <a:t>/the-cyber-risk-of-</a:t>
+            </a:r>
+            <a:r>
+              <a:rPr lang="en-US" sz="1000" dirty="0" err="1"/>
+              <a:t>usbs</a:t>
+            </a:r>
+            <a:r>
+              <a:rPr lang="en-US" sz="1000" dirty="0"/>
+              <a:t>/</a:t>
             </a:r>
           </a:p>
         </p:txBody>
@@ -7004,299 +7105,62 @@
               <a:t>Make sure to keep track of removeable media that you own</a:t>
             </a:r>
           </a:p>
-        </p:txBody>
-      </p:sp>
-    </p:spTree>
-    <p:extLst>
-      <p:ext uri="{BB962C8B-B14F-4D97-AF65-F5344CB8AC3E}">
-        <p14:creationId xmlns:p14="http://schemas.microsoft.com/office/powerpoint/2010/main" val="522965571"/>
-      </p:ext>
-    </p:extLst>
-  </p:cSld>
-  <p:clrMapOvr>
-    <a:overrideClrMapping bg1="dk1" tx1="lt1" bg2="dk2" tx2="lt2" accent1="accent1" accent2="accent2" accent3="accent3" accent4="accent4" accent5="accent5" accent6="accent6" hlink="hlink" folHlink="folHlink"/>
-  </p:clrMapOvr>
-</p:sld>
-</file>
-
-<file path=ppt/slides/slide6.xml><?xml version="1.0" encoding="utf-8"?>
-<p:sld xmlns:a="http://schemas.openxmlformats.org/drawingml/2006/main" xmlns:r="http://schemas.openxmlformats.org/officeDocument/2006/relationships" xmlns:p="http://schemas.openxmlformats.org/presentationml/2006/main">
-  <p:cSld>
-    <p:bg>
-      <p:bgPr>
-        <a:solidFill>
-          <a:schemeClr val="bg1"/>
-        </a:solidFill>
-        <a:effectLst/>
-      </p:bgPr>
-    </p:bg>
-    <p:spTree>
-      <p:nvGrpSpPr>
-        <p:cNvPr id="1" name=""/>
-        <p:cNvGrpSpPr/>
-        <p:nvPr/>
-      </p:nvGrpSpPr>
-      <p:grpSpPr>
-        <a:xfrm>
-          <a:off x="0" y="0"/>
-          <a:ext cx="0" cy="0"/>
-          <a:chOff x="0" y="0"/>
-          <a:chExt cx="0" cy="0"/>
-        </a:xfrm>
-      </p:grpSpPr>
-      <p:sp useBgFill="1">
-        <p:nvSpPr>
-          <p:cNvPr id="5126" name="Rectangle 72">
+          <a:p>
+            <a:pPr>
+              <a:buClr>
+                <a:schemeClr val="tx1"/>
+              </a:buClr>
+            </a:pPr>
+            <a:r>
+              <a:rPr lang="en-US" sz="2500" dirty="0">
+                <a:solidFill>
+                  <a:schemeClr val="tx1"/>
+                </a:solidFill>
+              </a:rPr>
+              <a:t>Disable auto-run</a:t>
+            </a:r>
+          </a:p>
+        </p:txBody>
+      </p:sp>
+      <p:sp>
+        <p:nvSpPr>
+          <p:cNvPr id="6" name="TextBox 5">
             <a:extLst>
               <a:ext uri="{FF2B5EF4-FFF2-40B4-BE49-F238E27FC236}">
-                <a16:creationId xmlns:a16="http://schemas.microsoft.com/office/drawing/2014/main" id="{DADC4F84-175A-4AB1-916C-1E5796E1E0D3}"/>
-              </a:ext>
-              <a:ext uri="{C183D7F6-B498-43B3-948B-1728B52AA6E4}">
-                <adec:decorative xmlns:adec="http://schemas.microsoft.com/office/drawing/2017/decorative" val="1"/>
+                <a16:creationId xmlns:a16="http://schemas.microsoft.com/office/drawing/2014/main" id="{30A48DA8-C5AF-854B-91B7-A16F60EA39BE}"/>
               </a:ext>
             </a:extLst>
           </p:cNvPr>
-          <p:cNvSpPr>
-            <a:spLocks noGrp="1" noRot="1" noChangeAspect="1" noMove="1" noResize="1" noEditPoints="1" noAdjustHandles="1" noChangeArrowheads="1" noChangeShapeType="1" noTextEdit="1"/>
-          </p:cNvSpPr>
-          <p:nvPr>
-            <p:extLst>
-              <p:ext uri="{386F3935-93C4-4BCD-93E2-E3B085C9AB24}">
-                <p16:designElem xmlns:p16="http://schemas.microsoft.com/office/powerpoint/2015/main" val="1"/>
-              </p:ext>
-            </p:extLst>
-          </p:nvPr>
+          <p:cNvSpPr txBox="1"/>
+          <p:nvPr/>
         </p:nvSpPr>
         <p:spPr>
           <a:xfrm>
-            <a:off x="0" y="0"/>
-            <a:ext cx="12192000" cy="6858000"/>
-          </a:xfrm>
-          <a:prstGeom prst="rect">
-            <a:avLst/>
-          </a:prstGeom>
-          <a:ln>
-            <a:noFill/>
-          </a:ln>
-        </p:spPr>
-        <p:style>
-          <a:lnRef idx="2">
-            <a:schemeClr val="accent1">
-              <a:shade val="50000"/>
-            </a:schemeClr>
-          </a:lnRef>
-          <a:fillRef idx="1">
-            <a:schemeClr val="accent1"/>
-          </a:fillRef>
-          <a:effectRef idx="0">
-            <a:schemeClr val="accent1"/>
-          </a:effectRef>
-          <a:fontRef idx="minor">
-            <a:schemeClr val="lt1"/>
-          </a:fontRef>
-        </p:style>
-        <p:txBody>
-          <a:bodyPr rtlCol="0" anchor="ctr"/>
-          <a:lstStyle/>
-          <a:p>
-            <a:pPr algn="ctr"/>
-            <a:endParaRPr lang="en-US"/>
-          </a:p>
-        </p:txBody>
-      </p:sp>
-      <p:pic>
-        <p:nvPicPr>
-          <p:cNvPr id="5124" name="Picture 4" descr="Cybersecurity Privacy Icon - Free image on Pixabay">
-            <a:extLst>
-              <a:ext uri="{FF2B5EF4-FFF2-40B4-BE49-F238E27FC236}">
-                <a16:creationId xmlns:a16="http://schemas.microsoft.com/office/drawing/2014/main" id="{E5F29661-8997-A64A-8C00-C8CCB5E3FB2F}"/>
-              </a:ext>
-            </a:extLst>
-          </p:cNvPr>
-          <p:cNvPicPr>
-            <a:picLocks noChangeAspect="1" noChangeArrowheads="1"/>
-          </p:cNvPicPr>
-          <p:nvPr/>
-        </p:nvPicPr>
-        <p:blipFill rotWithShape="1">
-          <a:blip r:embed="rId2">
-            <a:alphaModFix amt="25000"/>
-            <a:extLst>
-              <a:ext uri="{28A0092B-C50C-407E-A947-70E740481C1C}">
-                <a14:useLocalDpi xmlns:a14="http://schemas.microsoft.com/office/drawing/2010/main" val="0"/>
-              </a:ext>
-            </a:extLst>
-          </a:blip>
-          <a:srcRect t="8433" b="1567"/>
-          <a:stretch/>
-        </p:blipFill>
-        <p:spPr bwMode="auto">
-          <a:xfrm>
-            <a:off x="-102850" y="10"/>
-            <a:ext cx="12191980" cy="6857990"/>
+            <a:off x="0" y="6602625"/>
+            <a:ext cx="11921490" cy="246221"/>
           </a:xfrm>
           <a:prstGeom prst="rect">
             <a:avLst/>
           </a:prstGeom>
           <a:noFill/>
-          <a:extLst>
-            <a:ext uri="{909E8E84-426E-40DD-AFC4-6F175D3DCCD1}">
-              <a14:hiddenFill xmlns:a14="http://schemas.microsoft.com/office/drawing/2010/main">
-                <a:solidFill>
-                  <a:srgbClr val="FFFFFF"/>
-                </a:solidFill>
-              </a14:hiddenFill>
-            </a:ext>
-          </a:extLst>
         </p:spPr>
-      </p:pic>
-      <p:sp>
-        <p:nvSpPr>
-          <p:cNvPr id="2" name="Title 1">
-            <a:extLst>
-              <a:ext uri="{FF2B5EF4-FFF2-40B4-BE49-F238E27FC236}">
-                <a16:creationId xmlns:a16="http://schemas.microsoft.com/office/drawing/2014/main" id="{269F3CC0-3AC8-AA4B-B128-D53385F82CF8}"/>
-              </a:ext>
-            </a:extLst>
-          </p:cNvPr>
-          <p:cNvSpPr>
-            <a:spLocks noGrp="1"/>
-          </p:cNvSpPr>
-          <p:nvPr>
-            <p:ph type="title"/>
-          </p:nvPr>
-        </p:nvSpPr>
-        <p:spPr>
-          <a:xfrm>
-            <a:off x="252918" y="1123837"/>
-            <a:ext cx="3051113" cy="4601183"/>
-          </a:xfrm>
-        </p:spPr>
-        <p:txBody>
-          <a:bodyPr>
-            <a:normAutofit/>
+        <p:txBody>
+          <a:bodyPr wrap="square" rtlCol="0">
+            <a:spAutoFit/>
           </a:bodyPr>
           <a:lstStyle/>
           <a:p>
             <a:r>
-              <a:rPr lang="en-US" sz="4000" dirty="0">
-                <a:ln w="15875">
-                  <a:solidFill>
-                    <a:srgbClr val="FFFFFF"/>
-                  </a:solidFill>
-                </a:ln>
-                <a:noFill/>
-              </a:rPr>
-              <a:t>Password Managers</a:t>
-            </a:r>
-            <a:endParaRPr lang="en-US" sz="4000" dirty="0">
-              <a:solidFill>
-                <a:schemeClr val="tx1"/>
-              </a:solidFill>
-            </a:endParaRPr>
-          </a:p>
-        </p:txBody>
-      </p:sp>
-      <p:sp>
-        <p:nvSpPr>
-          <p:cNvPr id="3" name="Content Placeholder 2">
-            <a:extLst>
-              <a:ext uri="{FF2B5EF4-FFF2-40B4-BE49-F238E27FC236}">
-                <a16:creationId xmlns:a16="http://schemas.microsoft.com/office/drawing/2014/main" id="{95033B72-032A-E746-BC41-248834A0083B}"/>
-              </a:ext>
-            </a:extLst>
-          </p:cNvPr>
-          <p:cNvSpPr>
-            <a:spLocks noGrp="1"/>
-          </p:cNvSpPr>
-          <p:nvPr>
-            <p:ph idx="1"/>
-          </p:nvPr>
-        </p:nvSpPr>
-        <p:spPr>
-          <a:xfrm>
-            <a:off x="3869268" y="864108"/>
-            <a:ext cx="7315200" cy="5120640"/>
-          </a:xfrm>
-        </p:spPr>
-        <p:txBody>
-          <a:bodyPr>
-            <a:normAutofit/>
-          </a:bodyPr>
-          <a:lstStyle/>
-          <a:p>
-            <a:pPr>
-              <a:buClr>
-                <a:schemeClr val="tx1"/>
-              </a:buClr>
-            </a:pPr>
-            <a:r>
-              <a:rPr lang="en-US" sz="2500" dirty="0">
-                <a:solidFill>
-                  <a:schemeClr val="tx1"/>
-                </a:solidFill>
-              </a:rPr>
-              <a:t>Can be challenging to remember passwords</a:t>
-            </a:r>
-          </a:p>
-          <a:p>
-            <a:pPr>
-              <a:buClr>
-                <a:schemeClr val="tx1"/>
-              </a:buClr>
-            </a:pPr>
-            <a:r>
-              <a:rPr lang="en-US" sz="2500" dirty="0">
-                <a:solidFill>
-                  <a:schemeClr val="tx1"/>
-                </a:solidFill>
-              </a:rPr>
-              <a:t>This causes users to reuse passwords</a:t>
-            </a:r>
-          </a:p>
-          <a:p>
-            <a:pPr>
-              <a:buClr>
-                <a:schemeClr val="tx1"/>
-              </a:buClr>
-            </a:pPr>
-            <a:r>
-              <a:rPr lang="en-US" sz="2500" dirty="0">
-                <a:solidFill>
-                  <a:schemeClr val="tx1"/>
-                </a:solidFill>
-              </a:rPr>
-              <a:t>Passwords managers help solve the issue of remembering lots of passwords</a:t>
-            </a:r>
-          </a:p>
-          <a:p>
-            <a:pPr>
-              <a:buClr>
-                <a:schemeClr val="tx1"/>
-              </a:buClr>
-            </a:pPr>
-            <a:r>
-              <a:rPr lang="en-US" sz="2500" dirty="0">
-                <a:solidFill>
-                  <a:schemeClr val="tx1"/>
-                </a:solidFill>
-              </a:rPr>
-              <a:t>Many password managers available</a:t>
-            </a:r>
-          </a:p>
-          <a:p>
-            <a:pPr>
-              <a:buClr>
-                <a:schemeClr val="tx1"/>
-              </a:buClr>
-            </a:pPr>
-            <a:r>
-              <a:rPr lang="en-US" sz="2500" dirty="0">
-                <a:solidFill>
-                  <a:schemeClr val="tx1"/>
-                </a:solidFill>
-              </a:rPr>
-              <a:t>Avoid having file called “passwords”, “credentials”, or similar</a:t>
+              <a:rPr lang="en-US" sz="1000" dirty="0"/>
+              <a:t>https://</a:t>
+            </a:r>
+            <a:r>
+              <a:rPr lang="en-US" sz="1000" dirty="0" err="1"/>
+              <a:t>hackernoon.com</a:t>
+            </a:r>
+            <a:r>
+              <a:rPr lang="en-US" sz="1000" dirty="0"/>
+              <a:t>/security-best-practices-for-removable-media-and-devices</a:t>
             </a:r>
           </a:p>
         </p:txBody>
@@ -7304,7 +7168,7 @@
     </p:spTree>
     <p:extLst>
       <p:ext uri="{BB962C8B-B14F-4D97-AF65-F5344CB8AC3E}">
-        <p14:creationId xmlns:p14="http://schemas.microsoft.com/office/powerpoint/2010/main" val="1054918594"/>
+        <p14:creationId xmlns:p14="http://schemas.microsoft.com/office/powerpoint/2010/main" val="522965571"/>
       </p:ext>
     </p:extLst>
   </p:cSld>
